--- a/Documents/Training/Office RX Training 1.pptx
+++ b/Documents/Training/Office RX Training 1.pptx
@@ -233,7 +233,7 @@
           <a:p>
             <a:fld id="{0BAB0719-0C0B-4FCD-8C42-A758D216E1BD}" type="datetimeFigureOut">
               <a:rPr lang="en-US" smtClean="0"/>
-              <a:t>8/20/2020</a:t>
+              <a:t>8/21/2020</a:t>
             </a:fld>
             <a:endParaRPr lang="en-US" dirty="0"/>
           </a:p>
@@ -411,7 +411,7 @@
             <a:fld id="{925A17EF-115B-4BB9-BF42-426DFD9E898A}" type="datetimeFigureOut">
               <a:rPr lang="en-US" smtClean="0"/>
               <a:pPr/>
-              <a:t>8/20/2020</a:t>
+              <a:t>8/21/2020</a:t>
             </a:fld>
             <a:endParaRPr lang="en-US" dirty="0"/>
           </a:p>
@@ -1196,7 +1196,7 @@
             <a:fld id="{A2E209FB-7A34-414B-812A-BCC5C4256F49}" type="datetime1">
               <a:rPr lang="en-US" smtClean="0"/>
               <a:pPr algn="r"/>
-              <a:t>8/20/2020</a:t>
+              <a:t>8/21/2020</a:t>
             </a:fld>
             <a:endParaRPr lang="en-US" sz="1000" dirty="0"/>
           </a:p>
@@ -4659,7 +4659,7 @@
         </p:spPr>
         <p:txBody>
           <a:bodyPr>
-            <a:normAutofit/>
+            <a:normAutofit fontScale="92500" lnSpcReduction="10000"/>
           </a:bodyPr>
           <a:lstStyle/>
           <a:p>
@@ -4686,7 +4686,7 @@
             <a:pPr lvl="2"/>
             <a:r>
               <a:rPr lang="en-US" dirty="0"/>
-              <a:t>Transfers – Out</a:t>
+              <a:t>Transfers – Out/IN</a:t>
             </a:r>
           </a:p>
           <a:p>
@@ -4701,6 +4701,31 @@
               <a:rPr lang="en-US" dirty="0"/>
               <a:t>Pricing</a:t>
             </a:r>
+          </a:p>
+          <a:p>
+            <a:pPr lvl="1"/>
+            <a:r>
+              <a:rPr lang="en-US" dirty="0"/>
+              <a:t>Min pricing</a:t>
+            </a:r>
+          </a:p>
+          <a:p>
+            <a:pPr lvl="1"/>
+            <a:r>
+              <a:rPr lang="en-US" dirty="0"/>
+              <a:t>PTB </a:t>
+            </a:r>
+          </a:p>
+          <a:p>
+            <a:pPr lvl="1"/>
+            <a:r>
+              <a:rPr lang="en-US" dirty="0"/>
+              <a:t>Group Pricing</a:t>
+            </a:r>
+          </a:p>
+          <a:p>
+            <a:pPr lvl="1"/>
+            <a:endParaRPr lang="en-US" dirty="0"/>
           </a:p>
           <a:p>
             <a:endParaRPr lang="en-US" dirty="0"/>
@@ -4794,10 +4819,9 @@
           <a:p>
             <a:pPr lvl="1"/>
             <a:r>
-              <a:rPr lang="en-US"/>
-              <a:t>Warehouse </a:t>
-            </a:r>
-            <a:endParaRPr lang="en-US" dirty="0"/>
+              <a:rPr lang="en-US" dirty="0"/>
+              <a:t>DC Warehouses </a:t>
+            </a:r>
           </a:p>
           <a:p>
             <a:r>
@@ -5662,12 +5686,11 @@
 </file>
 
 <file path=customXml/item1.xml><?xml version="1.0" encoding="utf-8"?>
-<?mso-contentType ?>
-<FormTemplates xmlns="http://schemas.microsoft.com/sharepoint/v3/contenttype/forms">
-  <Display>DocumentLibraryForm</Display>
-  <Edit>DocumentLibraryForm</Edit>
-  <New>DocumentLibraryForm</New>
-</FormTemplates>
+<p:properties xmlns:p="http://schemas.microsoft.com/office/2006/metadata/properties" xmlns:xsi="http://www.w3.org/2001/XMLSchema-instance" xmlns:pc="http://schemas.microsoft.com/office/infopath/2007/PartnerControls">
+  <documentManagement>
+    <MediaServiceKeyPoints xmlns="71af3243-3dd4-4a8d-8c0d-dd76da1f02a5" xsi:nil="true"/>
+  </documentManagement>
+</p:properties>
 </file>
 
 <file path=customXml/item2.xml><?xml version="1.0" encoding="utf-8"?>
@@ -5882,17 +5905,20 @@
 </file>
 
 <file path=customXml/item3.xml><?xml version="1.0" encoding="utf-8"?>
-<p:properties xmlns:p="http://schemas.microsoft.com/office/2006/metadata/properties" xmlns:xsi="http://www.w3.org/2001/XMLSchema-instance" xmlns:pc="http://schemas.microsoft.com/office/infopath/2007/PartnerControls">
-  <documentManagement>
-    <MediaServiceKeyPoints xmlns="71af3243-3dd4-4a8d-8c0d-dd76da1f02a5" xsi:nil="true"/>
-  </documentManagement>
-</p:properties>
+<?mso-contentType ?>
+<FormTemplates xmlns="http://schemas.microsoft.com/sharepoint/v3/contenttype/forms">
+  <Display>DocumentLibraryForm</Display>
+  <Edit>DocumentLibraryForm</Edit>
+  <New>DocumentLibraryForm</New>
+</FormTemplates>
 </file>
 
 <file path=customXml/itemProps1.xml><?xml version="1.0" encoding="utf-8"?>
-<ds:datastoreItem xmlns:ds="http://schemas.openxmlformats.org/officeDocument/2006/customXml" ds:itemID="{3DC31EBE-A492-4CE5-9650-1E2C8FDDD7CE}">
+<ds:datastoreItem xmlns:ds="http://schemas.openxmlformats.org/officeDocument/2006/customXml" ds:itemID="{DCB47EFB-BDBB-4CE5-A848-1507BE3B7989}">
   <ds:schemaRefs>
-    <ds:schemaRef ds:uri="http://schemas.microsoft.com/sharepoint/v3/contenttype/forms"/>
+    <ds:schemaRef ds:uri="http://schemas.microsoft.com/office/2006/metadata/properties"/>
+    <ds:schemaRef ds:uri="http://schemas.microsoft.com/office/infopath/2007/PartnerControls"/>
+    <ds:schemaRef ds:uri="71af3243-3dd4-4a8d-8c0d-dd76da1f02a5"/>
   </ds:schemaRefs>
 </ds:datastoreItem>
 </file>
@@ -5917,11 +5943,9 @@
 </file>
 
 <file path=customXml/itemProps3.xml><?xml version="1.0" encoding="utf-8"?>
-<ds:datastoreItem xmlns:ds="http://schemas.openxmlformats.org/officeDocument/2006/customXml" ds:itemID="{DCB47EFB-BDBB-4CE5-A848-1507BE3B7989}">
+<ds:datastoreItem xmlns:ds="http://schemas.openxmlformats.org/officeDocument/2006/customXml" ds:itemID="{3DC31EBE-A492-4CE5-9650-1E2C8FDDD7CE}">
   <ds:schemaRefs>
-    <ds:schemaRef ds:uri="http://schemas.microsoft.com/office/2006/metadata/properties"/>
-    <ds:schemaRef ds:uri="http://schemas.microsoft.com/office/infopath/2007/PartnerControls"/>
-    <ds:schemaRef ds:uri="71af3243-3dd4-4a8d-8c0d-dd76da1f02a5"/>
+    <ds:schemaRef ds:uri="http://schemas.microsoft.com/sharepoint/v3/contenttype/forms"/>
   </ds:schemaRefs>
 </ds:datastoreItem>
 </file>